--- a/my_presentation.pptx
+++ b/my_presentation.pptx
@@ -5,18 +5,22 @@
     <p:sldMasterId id="2147483648" r:id="rId1"/>
   </p:sldMasterIdLst>
   <p:sldIdLst>
-    <p:sldId id="256" r:id="rId2"/>
-    <p:sldId id="257" r:id="rId3"/>
-    <p:sldId id="258" r:id="rId4"/>
-    <p:sldId id="259" r:id="rId5"/>
-    <p:sldId id="260" r:id="rId6"/>
-    <p:sldId id="261" r:id="rId7"/>
-    <p:sldId id="262" r:id="rId8"/>
-    <p:sldId id="263" r:id="rId9"/>
-    <p:sldId id="264" r:id="rId10"/>
-    <p:sldId id="265" r:id="rId11"/>
+    <p:sldId id="256" r:id="rId7"/>
+    <p:sldId id="257" r:id="rId8"/>
+    <p:sldId id="258" r:id="rId9"/>
+    <p:sldId id="259" r:id="rId10"/>
+    <p:sldId id="260" r:id="rId11"/>
+    <p:sldId id="261" r:id="rId12"/>
+    <p:sldId id="262" r:id="rId13"/>
+    <p:sldId id="263" r:id="rId14"/>
+    <p:sldId id="264" r:id="rId15"/>
+    <p:sldId id="265" r:id="rId16"/>
+    <p:sldId id="266" r:id="rId17"/>
+    <p:sldId id="267" r:id="rId18"/>
+    <p:sldId id="268" r:id="rId19"/>
+    <p:sldId id="269" r:id="rId20"/>
   </p:sldIdLst>
-  <p:sldSz cx="12188825" cy="6858000"/>
+  <p:sldSz cx="12188952" cy="6858000" type="screen4x3"/>
   <p:notesSz cx="6858000" cy="9144000"/>
   <p:defaultTextStyle>
     <a:defPPr>
@@ -113,22 +117,6 @@
       </a:defRPr>
     </a:lvl9pPr>
   </p:defaultTextStyle>
-  <p:extLst>
-    <p:ext uri="{EFAFB233-063F-42B5-8137-9DF3F51BA10A}">
-      <p15:sldGuideLst xmlns:p15="http://schemas.microsoft.com/office/powerpoint/2012/main">
-        <p15:guide id="1" orient="horz" pos="2160">
-          <p15:clr>
-            <a:srgbClr val="A4A3A4"/>
-          </p15:clr>
-        </p15:guide>
-        <p15:guide id="2" pos="2880">
-          <p15:clr>
-            <a:srgbClr val="A4A3A4"/>
-          </p15:clr>
-        </p15:guide>
-      </p15:sldGuideLst>
-    </p:ext>
-  </p:extLst>
 </p:presentation>
 </file>
 
@@ -170,9 +158,10 @@
           <a:lstStyle/>
           <a:p>
             <a:r>
-              <a:rPr lang="en-US"/>
+              <a:rPr lang="en-US" smtClean="0"/>
               <a:t>Click to edit Master title style</a:t>
             </a:r>
+            <a:endParaRPr lang="en-US"/>
           </a:p>
         </p:txBody>
       </p:sp>
@@ -288,9 +277,10 @@
           </a:lstStyle>
           <a:p>
             <a:r>
-              <a:rPr lang="en-US"/>
+              <a:rPr lang="en-US" smtClean="0"/>
               <a:t>Click to edit Master subtitle style</a:t>
             </a:r>
+            <a:endParaRPr lang="en-US"/>
           </a:p>
         </p:txBody>
       </p:sp>
@@ -311,7 +301,7 @@
           <a:p>
             <a:fld id="{5BCAD085-E8A6-8845-BD4E-CB4CCA059FC4}" type="datetimeFigureOut">
               <a:rPr lang="en-US" smtClean="0"/>
-              <a:t>7/15/2024</a:t>
+              <a:t>1/27/13</a:t>
             </a:fld>
             <a:endParaRPr lang="en-US"/>
           </a:p>
@@ -405,9 +395,10 @@
           <a:lstStyle/>
           <a:p>
             <a:r>
-              <a:rPr lang="en-US"/>
+              <a:rPr lang="en-US" smtClean="0"/>
               <a:t>Click to edit Master title style</a:t>
             </a:r>
+            <a:endParaRPr lang="en-US"/>
           </a:p>
         </p:txBody>
       </p:sp>
@@ -428,37 +419,38 @@
           <a:p>
             <a:pPr lvl="0"/>
             <a:r>
-              <a:rPr lang="en-US"/>
+              <a:rPr lang="en-US" smtClean="0"/>
               <a:t>Click to edit Master text styles</a:t>
             </a:r>
           </a:p>
           <a:p>
             <a:pPr lvl="1"/>
             <a:r>
-              <a:rPr lang="en-US"/>
+              <a:rPr lang="en-US" smtClean="0"/>
               <a:t>Second level</a:t>
             </a:r>
           </a:p>
           <a:p>
             <a:pPr lvl="2"/>
             <a:r>
-              <a:rPr lang="en-US"/>
+              <a:rPr lang="en-US" smtClean="0"/>
               <a:t>Third level</a:t>
             </a:r>
           </a:p>
           <a:p>
             <a:pPr lvl="3"/>
             <a:r>
-              <a:rPr lang="en-US"/>
+              <a:rPr lang="en-US" smtClean="0"/>
               <a:t>Fourth level</a:t>
             </a:r>
           </a:p>
           <a:p>
             <a:pPr lvl="4"/>
             <a:r>
-              <a:rPr lang="en-US"/>
+              <a:rPr lang="en-US" smtClean="0"/>
               <a:t>Fifth level</a:t>
             </a:r>
+            <a:endParaRPr lang="en-US"/>
           </a:p>
         </p:txBody>
       </p:sp>
@@ -479,7 +471,7 @@
           <a:p>
             <a:fld id="{5BCAD085-E8A6-8845-BD4E-CB4CCA059FC4}" type="datetimeFigureOut">
               <a:rPr lang="en-US" smtClean="0"/>
-              <a:t>7/15/2024</a:t>
+              <a:t>1/27/13</a:t>
             </a:fld>
             <a:endParaRPr lang="en-US"/>
           </a:p>
@@ -578,9 +570,10 @@
           <a:lstStyle/>
           <a:p>
             <a:r>
-              <a:rPr lang="en-US"/>
+              <a:rPr lang="en-US" smtClean="0"/>
               <a:t>Click to edit Master title style</a:t>
             </a:r>
+            <a:endParaRPr lang="en-US"/>
           </a:p>
         </p:txBody>
       </p:sp>
@@ -606,37 +599,38 @@
           <a:p>
             <a:pPr lvl="0"/>
             <a:r>
-              <a:rPr lang="en-US"/>
+              <a:rPr lang="en-US" smtClean="0"/>
               <a:t>Click to edit Master text styles</a:t>
             </a:r>
           </a:p>
           <a:p>
             <a:pPr lvl="1"/>
             <a:r>
-              <a:rPr lang="en-US"/>
+              <a:rPr lang="en-US" smtClean="0"/>
               <a:t>Second level</a:t>
             </a:r>
           </a:p>
           <a:p>
             <a:pPr lvl="2"/>
             <a:r>
-              <a:rPr lang="en-US"/>
+              <a:rPr lang="en-US" smtClean="0"/>
               <a:t>Third level</a:t>
             </a:r>
           </a:p>
           <a:p>
             <a:pPr lvl="3"/>
             <a:r>
-              <a:rPr lang="en-US"/>
+              <a:rPr lang="en-US" smtClean="0"/>
               <a:t>Fourth level</a:t>
             </a:r>
           </a:p>
           <a:p>
             <a:pPr lvl="4"/>
             <a:r>
-              <a:rPr lang="en-US"/>
+              <a:rPr lang="en-US" smtClean="0"/>
               <a:t>Fifth level</a:t>
             </a:r>
+            <a:endParaRPr lang="en-US"/>
           </a:p>
         </p:txBody>
       </p:sp>
@@ -657,7 +651,7 @@
           <a:p>
             <a:fld id="{5BCAD085-E8A6-8845-BD4E-CB4CCA059FC4}" type="datetimeFigureOut">
               <a:rPr lang="en-US" smtClean="0"/>
-              <a:t>7/15/2024</a:t>
+              <a:t>1/27/13</a:t>
             </a:fld>
             <a:endParaRPr lang="en-US"/>
           </a:p>
@@ -751,9 +745,10 @@
           <a:lstStyle/>
           <a:p>
             <a:r>
-              <a:rPr lang="en-US"/>
+              <a:rPr lang="en-US" smtClean="0"/>
               <a:t>Click to edit Master title style</a:t>
             </a:r>
+            <a:endParaRPr lang="en-US"/>
           </a:p>
         </p:txBody>
       </p:sp>
@@ -774,37 +769,38 @@
           <a:p>
             <a:pPr lvl="0"/>
             <a:r>
-              <a:rPr lang="en-US"/>
+              <a:rPr lang="en-US" smtClean="0"/>
               <a:t>Click to edit Master text styles</a:t>
             </a:r>
           </a:p>
           <a:p>
             <a:pPr lvl="1"/>
             <a:r>
-              <a:rPr lang="en-US"/>
+              <a:rPr lang="en-US" smtClean="0"/>
               <a:t>Second level</a:t>
             </a:r>
           </a:p>
           <a:p>
             <a:pPr lvl="2"/>
             <a:r>
-              <a:rPr lang="en-US"/>
+              <a:rPr lang="en-US" smtClean="0"/>
               <a:t>Third level</a:t>
             </a:r>
           </a:p>
           <a:p>
             <a:pPr lvl="3"/>
             <a:r>
-              <a:rPr lang="en-US"/>
+              <a:rPr lang="en-US" smtClean="0"/>
               <a:t>Fourth level</a:t>
             </a:r>
           </a:p>
           <a:p>
             <a:pPr lvl="4"/>
             <a:r>
-              <a:rPr lang="en-US"/>
+              <a:rPr lang="en-US" smtClean="0"/>
               <a:t>Fifth level</a:t>
             </a:r>
+            <a:endParaRPr lang="en-US"/>
           </a:p>
         </p:txBody>
       </p:sp>
@@ -825,7 +821,7 @@
           <a:p>
             <a:fld id="{5BCAD085-E8A6-8845-BD4E-CB4CCA059FC4}" type="datetimeFigureOut">
               <a:rPr lang="en-US" smtClean="0"/>
-              <a:t>7/15/2024</a:t>
+              <a:t>1/27/13</a:t>
             </a:fld>
             <a:endParaRPr lang="en-US"/>
           </a:p>
@@ -928,9 +924,10 @@
           </a:lstStyle>
           <a:p>
             <a:r>
-              <a:rPr lang="en-US"/>
+              <a:rPr lang="en-US" smtClean="0"/>
               <a:t>Click to edit Master title style</a:t>
             </a:r>
+            <a:endParaRPr lang="en-US"/>
           </a:p>
         </p:txBody>
       </p:sp>
@@ -1047,7 +1044,7 @@
           <a:p>
             <a:pPr lvl="0"/>
             <a:r>
-              <a:rPr lang="en-US"/>
+              <a:rPr lang="en-US" smtClean="0"/>
               <a:t>Click to edit Master text styles</a:t>
             </a:r>
           </a:p>
@@ -1070,7 +1067,7 @@
           <a:p>
             <a:fld id="{5BCAD085-E8A6-8845-BD4E-CB4CCA059FC4}" type="datetimeFigureOut">
               <a:rPr lang="en-US" smtClean="0"/>
-              <a:t>7/15/2024</a:t>
+              <a:t>1/27/13</a:t>
             </a:fld>
             <a:endParaRPr lang="en-US"/>
           </a:p>
@@ -1164,9 +1161,10 @@
           <a:lstStyle/>
           <a:p>
             <a:r>
-              <a:rPr lang="en-US"/>
+              <a:rPr lang="en-US" smtClean="0"/>
               <a:t>Click to edit Master title style</a:t>
             </a:r>
+            <a:endParaRPr lang="en-US"/>
           </a:p>
         </p:txBody>
       </p:sp>
@@ -1220,37 +1218,38 @@
           <a:p>
             <a:pPr lvl="0"/>
             <a:r>
-              <a:rPr lang="en-US"/>
+              <a:rPr lang="en-US" smtClean="0"/>
               <a:t>Click to edit Master text styles</a:t>
             </a:r>
           </a:p>
           <a:p>
             <a:pPr lvl="1"/>
             <a:r>
-              <a:rPr lang="en-US"/>
+              <a:rPr lang="en-US" smtClean="0"/>
               <a:t>Second level</a:t>
             </a:r>
           </a:p>
           <a:p>
             <a:pPr lvl="2"/>
             <a:r>
-              <a:rPr lang="en-US"/>
+              <a:rPr lang="en-US" smtClean="0"/>
               <a:t>Third level</a:t>
             </a:r>
           </a:p>
           <a:p>
             <a:pPr lvl="3"/>
             <a:r>
-              <a:rPr lang="en-US"/>
+              <a:rPr lang="en-US" smtClean="0"/>
               <a:t>Fourth level</a:t>
             </a:r>
           </a:p>
           <a:p>
             <a:pPr lvl="4"/>
             <a:r>
-              <a:rPr lang="en-US"/>
+              <a:rPr lang="en-US" smtClean="0"/>
               <a:t>Fifth level</a:t>
             </a:r>
+            <a:endParaRPr lang="en-US"/>
           </a:p>
         </p:txBody>
       </p:sp>
@@ -1304,37 +1303,38 @@
           <a:p>
             <a:pPr lvl="0"/>
             <a:r>
-              <a:rPr lang="en-US"/>
+              <a:rPr lang="en-US" smtClean="0"/>
               <a:t>Click to edit Master text styles</a:t>
             </a:r>
           </a:p>
           <a:p>
             <a:pPr lvl="1"/>
             <a:r>
-              <a:rPr lang="en-US"/>
+              <a:rPr lang="en-US" smtClean="0"/>
               <a:t>Second level</a:t>
             </a:r>
           </a:p>
           <a:p>
             <a:pPr lvl="2"/>
             <a:r>
-              <a:rPr lang="en-US"/>
+              <a:rPr lang="en-US" smtClean="0"/>
               <a:t>Third level</a:t>
             </a:r>
           </a:p>
           <a:p>
             <a:pPr lvl="3"/>
             <a:r>
-              <a:rPr lang="en-US"/>
+              <a:rPr lang="en-US" smtClean="0"/>
               <a:t>Fourth level</a:t>
             </a:r>
           </a:p>
           <a:p>
             <a:pPr lvl="4"/>
             <a:r>
-              <a:rPr lang="en-US"/>
+              <a:rPr lang="en-US" smtClean="0"/>
               <a:t>Fifth level</a:t>
             </a:r>
+            <a:endParaRPr lang="en-US"/>
           </a:p>
         </p:txBody>
       </p:sp>
@@ -1355,7 +1355,7 @@
           <a:p>
             <a:fld id="{5BCAD085-E8A6-8845-BD4E-CB4CCA059FC4}" type="datetimeFigureOut">
               <a:rPr lang="en-US" smtClean="0"/>
-              <a:t>7/15/2024</a:t>
+              <a:t>1/27/13</a:t>
             </a:fld>
             <a:endParaRPr lang="en-US"/>
           </a:p>
@@ -1453,9 +1453,10 @@
           </a:lstStyle>
           <a:p>
             <a:r>
-              <a:rPr lang="en-US"/>
+              <a:rPr lang="en-US" smtClean="0"/>
               <a:t>Click to edit Master title style</a:t>
             </a:r>
+            <a:endParaRPr lang="en-US"/>
           </a:p>
         </p:txBody>
       </p:sp>
@@ -1518,7 +1519,7 @@
           <a:p>
             <a:pPr lvl="0"/>
             <a:r>
-              <a:rPr lang="en-US"/>
+              <a:rPr lang="en-US" smtClean="0"/>
               <a:t>Click to edit Master text styles</a:t>
             </a:r>
           </a:p>
@@ -1574,37 +1575,38 @@
           <a:p>
             <a:pPr lvl="0"/>
             <a:r>
-              <a:rPr lang="en-US"/>
+              <a:rPr lang="en-US" smtClean="0"/>
               <a:t>Click to edit Master text styles</a:t>
             </a:r>
           </a:p>
           <a:p>
             <a:pPr lvl="1"/>
             <a:r>
-              <a:rPr lang="en-US"/>
+              <a:rPr lang="en-US" smtClean="0"/>
               <a:t>Second level</a:t>
             </a:r>
           </a:p>
           <a:p>
             <a:pPr lvl="2"/>
             <a:r>
-              <a:rPr lang="en-US"/>
+              <a:rPr lang="en-US" smtClean="0"/>
               <a:t>Third level</a:t>
             </a:r>
           </a:p>
           <a:p>
             <a:pPr lvl="3"/>
             <a:r>
-              <a:rPr lang="en-US"/>
+              <a:rPr lang="en-US" smtClean="0"/>
               <a:t>Fourth level</a:t>
             </a:r>
           </a:p>
           <a:p>
             <a:pPr lvl="4"/>
             <a:r>
-              <a:rPr lang="en-US"/>
+              <a:rPr lang="en-US" smtClean="0"/>
               <a:t>Fifth level</a:t>
             </a:r>
+            <a:endParaRPr lang="en-US"/>
           </a:p>
         </p:txBody>
       </p:sp>
@@ -1667,7 +1669,7 @@
           <a:p>
             <a:pPr lvl="0"/>
             <a:r>
-              <a:rPr lang="en-US"/>
+              <a:rPr lang="en-US" smtClean="0"/>
               <a:t>Click to edit Master text styles</a:t>
             </a:r>
           </a:p>
@@ -1723,37 +1725,38 @@
           <a:p>
             <a:pPr lvl="0"/>
             <a:r>
-              <a:rPr lang="en-US"/>
+              <a:rPr lang="en-US" smtClean="0"/>
               <a:t>Click to edit Master text styles</a:t>
             </a:r>
           </a:p>
           <a:p>
             <a:pPr lvl="1"/>
             <a:r>
-              <a:rPr lang="en-US"/>
+              <a:rPr lang="en-US" smtClean="0"/>
               <a:t>Second level</a:t>
             </a:r>
           </a:p>
           <a:p>
             <a:pPr lvl="2"/>
             <a:r>
-              <a:rPr lang="en-US"/>
+              <a:rPr lang="en-US" smtClean="0"/>
               <a:t>Third level</a:t>
             </a:r>
           </a:p>
           <a:p>
             <a:pPr lvl="3"/>
             <a:r>
-              <a:rPr lang="en-US"/>
+              <a:rPr lang="en-US" smtClean="0"/>
               <a:t>Fourth level</a:t>
             </a:r>
           </a:p>
           <a:p>
             <a:pPr lvl="4"/>
             <a:r>
-              <a:rPr lang="en-US"/>
+              <a:rPr lang="en-US" smtClean="0"/>
               <a:t>Fifth level</a:t>
             </a:r>
+            <a:endParaRPr lang="en-US"/>
           </a:p>
         </p:txBody>
       </p:sp>
@@ -1774,7 +1777,7 @@
           <a:p>
             <a:fld id="{5BCAD085-E8A6-8845-BD4E-CB4CCA059FC4}" type="datetimeFigureOut">
               <a:rPr lang="en-US" smtClean="0"/>
-              <a:t>7/15/2024</a:t>
+              <a:t>1/27/13</a:t>
             </a:fld>
             <a:endParaRPr lang="en-US"/>
           </a:p>
@@ -1868,9 +1871,10 @@
           <a:lstStyle/>
           <a:p>
             <a:r>
-              <a:rPr lang="en-US"/>
+              <a:rPr lang="en-US" smtClean="0"/>
               <a:t>Click to edit Master title style</a:t>
             </a:r>
+            <a:endParaRPr lang="en-US"/>
           </a:p>
         </p:txBody>
       </p:sp>
@@ -1891,7 +1895,7 @@
           <a:p>
             <a:fld id="{5BCAD085-E8A6-8845-BD4E-CB4CCA059FC4}" type="datetimeFigureOut">
               <a:rPr lang="en-US" smtClean="0"/>
-              <a:t>7/15/2024</a:t>
+              <a:t>1/27/13</a:t>
             </a:fld>
             <a:endParaRPr lang="en-US"/>
           </a:p>
@@ -1986,7 +1990,7 @@
           <a:p>
             <a:fld id="{5BCAD085-E8A6-8845-BD4E-CB4CCA059FC4}" type="datetimeFigureOut">
               <a:rPr lang="en-US" smtClean="0"/>
-              <a:t>7/15/2024</a:t>
+              <a:t>1/27/13</a:t>
             </a:fld>
             <a:endParaRPr lang="en-US"/>
           </a:p>
@@ -2089,9 +2093,10 @@
           </a:lstStyle>
           <a:p>
             <a:r>
-              <a:rPr lang="en-US"/>
+              <a:rPr lang="en-US" smtClean="0"/>
               <a:t>Click to edit Master title style</a:t>
             </a:r>
+            <a:endParaRPr lang="en-US"/>
           </a:p>
         </p:txBody>
       </p:sp>
@@ -2145,37 +2150,38 @@
           <a:p>
             <a:pPr lvl="0"/>
             <a:r>
-              <a:rPr lang="en-US"/>
+              <a:rPr lang="en-US" smtClean="0"/>
               <a:t>Click to edit Master text styles</a:t>
             </a:r>
           </a:p>
           <a:p>
             <a:pPr lvl="1"/>
             <a:r>
-              <a:rPr lang="en-US"/>
+              <a:rPr lang="en-US" smtClean="0"/>
               <a:t>Second level</a:t>
             </a:r>
           </a:p>
           <a:p>
             <a:pPr lvl="2"/>
             <a:r>
-              <a:rPr lang="en-US"/>
+              <a:rPr lang="en-US" smtClean="0"/>
               <a:t>Third level</a:t>
             </a:r>
           </a:p>
           <a:p>
             <a:pPr lvl="3"/>
             <a:r>
-              <a:rPr lang="en-US"/>
+              <a:rPr lang="en-US" smtClean="0"/>
               <a:t>Fourth level</a:t>
             </a:r>
           </a:p>
           <a:p>
             <a:pPr lvl="4"/>
             <a:r>
-              <a:rPr lang="en-US"/>
+              <a:rPr lang="en-US" smtClean="0"/>
               <a:t>Fifth level</a:t>
             </a:r>
+            <a:endParaRPr lang="en-US"/>
           </a:p>
         </p:txBody>
       </p:sp>
@@ -2238,7 +2244,7 @@
           <a:p>
             <a:pPr lvl="0"/>
             <a:r>
-              <a:rPr lang="en-US"/>
+              <a:rPr lang="en-US" smtClean="0"/>
               <a:t>Click to edit Master text styles</a:t>
             </a:r>
           </a:p>
@@ -2261,7 +2267,7 @@
           <a:p>
             <a:fld id="{5BCAD085-E8A6-8845-BD4E-CB4CCA059FC4}" type="datetimeFigureOut">
               <a:rPr lang="en-US" smtClean="0"/>
-              <a:t>7/15/2024</a:t>
+              <a:t>1/27/13</a:t>
             </a:fld>
             <a:endParaRPr lang="en-US"/>
           </a:p>
@@ -2364,9 +2370,10 @@
           </a:lstStyle>
           <a:p>
             <a:r>
-              <a:rPr lang="en-US"/>
+              <a:rPr lang="en-US" smtClean="0"/>
               <a:t>Click to edit Master title style</a:t>
             </a:r>
+            <a:endParaRPr lang="en-US"/>
           </a:p>
         </p:txBody>
       </p:sp>
@@ -2490,7 +2497,7 @@
           <a:p>
             <a:pPr lvl="0"/>
             <a:r>
-              <a:rPr lang="en-US"/>
+              <a:rPr lang="en-US" smtClean="0"/>
               <a:t>Click to edit Master text styles</a:t>
             </a:r>
           </a:p>
@@ -2513,7 +2520,7 @@
           <a:p>
             <a:fld id="{5BCAD085-E8A6-8845-BD4E-CB4CCA059FC4}" type="datetimeFigureOut">
               <a:rPr lang="en-US" smtClean="0"/>
-              <a:t>7/15/2024</a:t>
+              <a:t>1/27/13</a:t>
             </a:fld>
             <a:endParaRPr lang="en-US"/>
           </a:p>
@@ -2622,9 +2629,10 @@
           <a:lstStyle/>
           <a:p>
             <a:r>
-              <a:rPr lang="en-US"/>
+              <a:rPr lang="en-US" smtClean="0"/>
               <a:t>Click to edit Master title style</a:t>
             </a:r>
+            <a:endParaRPr lang="en-US"/>
           </a:p>
         </p:txBody>
       </p:sp>
@@ -2655,37 +2663,38 @@
           <a:p>
             <a:pPr lvl="0"/>
             <a:r>
-              <a:rPr lang="en-US"/>
+              <a:rPr lang="en-US" smtClean="0"/>
               <a:t>Click to edit Master text styles</a:t>
             </a:r>
           </a:p>
           <a:p>
             <a:pPr lvl="1"/>
             <a:r>
-              <a:rPr lang="en-US"/>
+              <a:rPr lang="en-US" smtClean="0"/>
               <a:t>Second level</a:t>
             </a:r>
           </a:p>
           <a:p>
             <a:pPr lvl="2"/>
             <a:r>
-              <a:rPr lang="en-US"/>
+              <a:rPr lang="en-US" smtClean="0"/>
               <a:t>Third level</a:t>
             </a:r>
           </a:p>
           <a:p>
             <a:pPr lvl="3"/>
             <a:r>
-              <a:rPr lang="en-US"/>
+              <a:rPr lang="en-US" smtClean="0"/>
               <a:t>Fourth level</a:t>
             </a:r>
           </a:p>
           <a:p>
             <a:pPr lvl="4"/>
             <a:r>
-              <a:rPr lang="en-US"/>
+              <a:rPr lang="en-US" smtClean="0"/>
               <a:t>Fifth level</a:t>
             </a:r>
+            <a:endParaRPr lang="en-US"/>
           </a:p>
         </p:txBody>
       </p:sp>
@@ -2724,7 +2733,7 @@
           <a:p>
             <a:fld id="{5BCAD085-E8A6-8845-BD4E-CB4CCA059FC4}" type="datetimeFigureOut">
               <a:rPr lang="en-US" smtClean="0"/>
-              <a:t>7/15/2024</a:t>
+              <a:t>1/27/13</a:t>
             </a:fld>
             <a:endParaRPr lang="en-US"/>
           </a:p>
@@ -3083,7 +3092,7 @@
 </file>
 
 <file path=ppt/slides/slide1.xml><?xml version="1.0" encoding="utf-8"?>
-<p:sld xmlns:a="http://schemas.openxmlformats.org/drawingml/2006/main" xmlns:r="http://schemas.openxmlformats.org/officeDocument/2006/relationships" xmlns:p="http://schemas.openxmlformats.org/presentationml/2006/main">
+<p:sld xmlns:a="http://schemas.openxmlformats.org/drawingml/2006/main" xmlns:p="http://schemas.openxmlformats.org/presentationml/2006/main" xmlns:r="http://schemas.openxmlformats.org/officeDocument/2006/relationships">
   <p:cSld>
     <p:spTree>
       <p:nvGrpSpPr>
@@ -3091,14 +3100,7 @@
         <p:cNvGrpSpPr/>
         <p:nvPr/>
       </p:nvGrpSpPr>
-      <p:grpSpPr>
-        <a:xfrm>
-          <a:off x="0" y="0"/>
-          <a:ext cx="0" cy="0"/>
-          <a:chOff x="0" y="0"/>
-          <a:chExt cx="0" cy="0"/>
-        </a:xfrm>
-      </p:grpSpPr>
+      <p:grpSpPr/>
       <p:sp>
         <p:nvSpPr>
           <p:cNvPr id="2" name="TextBox 1"/>
@@ -3125,16 +3127,7 @@
               <a:defRPr sz="5400" b="1"/>
             </a:pPr>
             <a:r>
-              <a:rPr dirty="0"/>
-              <a:t>Hello, </a:t>
-            </a:r>
-            <a:r>
-              <a:rPr dirty="0" err="1"/>
-              <a:t>Pookie</a:t>
-            </a:r>
-            <a:r>
-              <a:rPr dirty="0"/>
-              <a:t>😘</a:t>
+              <a:t>Hello, Pookie😘</a:t>
             </a:r>
           </a:p>
         </p:txBody>
@@ -3183,7 +3176,7 @@
 </file>
 
 <file path=ppt/slides/slide10.xml><?xml version="1.0" encoding="utf-8"?>
-<p:sld xmlns:a="http://schemas.openxmlformats.org/drawingml/2006/main" xmlns:r="http://schemas.openxmlformats.org/officeDocument/2006/relationships" xmlns:p="http://schemas.openxmlformats.org/presentationml/2006/main">
+<p:sld xmlns:a="http://schemas.openxmlformats.org/drawingml/2006/main" xmlns:p="http://schemas.openxmlformats.org/presentationml/2006/main" xmlns:r="http://schemas.openxmlformats.org/officeDocument/2006/relationships">
   <p:cSld>
     <p:spTree>
       <p:nvGrpSpPr>
@@ -3191,14 +3184,7 @@
         <p:cNvGrpSpPr/>
         <p:nvPr/>
       </p:nvGrpSpPr>
-      <p:grpSpPr>
-        <a:xfrm>
-          <a:off x="0" y="0"/>
-          <a:ext cx="0" cy="0"/>
-          <a:chOff x="0" y="0"/>
-          <a:chExt cx="0" cy="0"/>
-        </a:xfrm>
-      </p:grpSpPr>
+      <p:grpSpPr/>
       <p:sp>
         <p:nvSpPr>
           <p:cNvPr id="2" name="TextBox 1"/>
@@ -3207,8 +3193,8 @@
         </p:nvSpPr>
         <p:spPr>
           <a:xfrm>
-            <a:off x="5486400" y="1828800"/>
-            <a:ext cx="914400" cy="914400"/>
+            <a:off x="4114800" y="1371600"/>
+            <a:ext cx="3657600" cy="914400"/>
           </a:xfrm>
           <a:prstGeom prst="rect">
             <a:avLst/>
@@ -3292,6 +3278,1070 @@
             </a:pPr>
             <a:r>
               <a:t>You can describe the topic of the section here</a:t>
+            </a:r>
+          </a:p>
+        </p:txBody>
+      </p:sp>
+    </p:spTree>
+  </p:cSld>
+  <p:clrMapOvr>
+    <a:masterClrMapping/>
+  </p:clrMapOvr>
+</p:sld>
+</file>
+
+<file path=ppt/slides/slide11.xml><?xml version="1.0" encoding="utf-8"?>
+<p:sld xmlns:a="http://schemas.openxmlformats.org/drawingml/2006/main" xmlns:p="http://schemas.openxmlformats.org/presentationml/2006/main" xmlns:r="http://schemas.openxmlformats.org/officeDocument/2006/relationships">
+  <p:cSld>
+    <p:spTree>
+      <p:nvGrpSpPr>
+        <p:cNvPr id="1" name=""/>
+        <p:cNvGrpSpPr/>
+        <p:nvPr/>
+      </p:nvGrpSpPr>
+      <p:grpSpPr/>
+      <p:sp>
+        <p:nvSpPr>
+          <p:cNvPr id="2" name="TextBox 1"/>
+          <p:cNvSpPr txBox="1"/>
+          <p:nvPr/>
+        </p:nvSpPr>
+        <p:spPr>
+          <a:xfrm>
+            <a:off x="914400" y="457200"/>
+            <a:ext cx="10360152" cy="914400"/>
+          </a:xfrm>
+          <a:prstGeom prst="rect">
+            <a:avLst/>
+          </a:prstGeom>
+          <a:noFill/>
+        </p:spPr>
+        <p:txBody>
+          <a:bodyPr wrap="none">
+            <a:spAutoFit/>
+          </a:bodyPr>
+          <a:lstStyle/>
+          <a:p>
+            <a:pPr algn="ctr">
+              <a:defRPr sz="3200" b="1"/>
+            </a:pPr>
+            <a:r>
+              <a:t>Maybe You Need to Divide the Content</a:t>
+            </a:r>
+          </a:p>
+        </p:txBody>
+      </p:sp>
+      <p:sp>
+        <p:nvSpPr>
+          <p:cNvPr id="3" name="TextBox 2"/>
+          <p:cNvSpPr txBox="1"/>
+          <p:nvPr/>
+        </p:nvSpPr>
+        <p:spPr>
+          <a:xfrm>
+            <a:off x="914400" y="1828800"/>
+            <a:ext cx="5180076" cy="457200"/>
+          </a:xfrm>
+          <a:prstGeom prst="rect">
+            <a:avLst/>
+          </a:prstGeom>
+          <a:noFill/>
+        </p:spPr>
+        <p:txBody>
+          <a:bodyPr wrap="none">
+            <a:spAutoFit/>
+          </a:bodyPr>
+          <a:lstStyle/>
+          <a:p>
+            <a:pPr algn="ctr">
+              <a:defRPr sz="2400" b="1"/>
+            </a:pPr>
+            <a:r>
+              <a:t>Mercury</a:t>
+            </a:r>
+          </a:p>
+        </p:txBody>
+      </p:sp>
+      <p:sp>
+        <p:nvSpPr>
+          <p:cNvPr id="4" name="TextBox 3"/>
+          <p:cNvSpPr txBox="1"/>
+          <p:nvPr/>
+        </p:nvSpPr>
+        <p:spPr>
+          <a:xfrm>
+            <a:off x="914400" y="2286000"/>
+            <a:ext cx="5180076" cy="1371600"/>
+          </a:xfrm>
+          <a:prstGeom prst="rect">
+            <a:avLst/>
+          </a:prstGeom>
+          <a:noFill/>
+        </p:spPr>
+        <p:txBody>
+          <a:bodyPr wrap="square">
+            <a:spAutoFit/>
+          </a:bodyPr>
+          <a:lstStyle/>
+          <a:p>
+            <a:pPr algn="l">
+              <a:defRPr sz="1800"/>
+            </a:pPr>
+            <a:r>
+              <a:t>Mercury is the closest planet to the Sun and the smallest one in the Solar System.</a:t>
+            </a:r>
+          </a:p>
+        </p:txBody>
+      </p:sp>
+      <p:sp>
+        <p:nvSpPr>
+          <p:cNvPr id="5" name="TextBox 4"/>
+          <p:cNvSpPr txBox="1"/>
+          <p:nvPr/>
+        </p:nvSpPr>
+        <p:spPr>
+          <a:xfrm>
+            <a:off x="6094476" y="1828800"/>
+            <a:ext cx="5180076" cy="457200"/>
+          </a:xfrm>
+          <a:prstGeom prst="rect">
+            <a:avLst/>
+          </a:prstGeom>
+          <a:noFill/>
+        </p:spPr>
+        <p:txBody>
+          <a:bodyPr wrap="none">
+            <a:spAutoFit/>
+          </a:bodyPr>
+          <a:lstStyle/>
+          <a:p>
+            <a:pPr algn="ctr">
+              <a:defRPr sz="2400" b="1"/>
+            </a:pPr>
+            <a:r>
+              <a:t>Venus</a:t>
+            </a:r>
+          </a:p>
+        </p:txBody>
+      </p:sp>
+      <p:sp>
+        <p:nvSpPr>
+          <p:cNvPr id="6" name="TextBox 5"/>
+          <p:cNvSpPr txBox="1"/>
+          <p:nvPr/>
+        </p:nvSpPr>
+        <p:spPr>
+          <a:xfrm>
+            <a:off x="6094476" y="2286000"/>
+            <a:ext cx="5180076" cy="1371600"/>
+          </a:xfrm>
+          <a:prstGeom prst="rect">
+            <a:avLst/>
+          </a:prstGeom>
+          <a:noFill/>
+        </p:spPr>
+        <p:txBody>
+          <a:bodyPr wrap="square">
+            <a:spAutoFit/>
+          </a:bodyPr>
+          <a:lstStyle/>
+          <a:p>
+            <a:pPr algn="l">
+              <a:defRPr sz="1800"/>
+            </a:pPr>
+            <a:r>
+              <a:t>Venus has a beautiful name and is the second planet from the Sun.</a:t>
+            </a:r>
+          </a:p>
+        </p:txBody>
+      </p:sp>
+    </p:spTree>
+  </p:cSld>
+  <p:clrMapOvr>
+    <a:masterClrMapping/>
+  </p:clrMapOvr>
+</p:sld>
+</file>
+
+<file path=ppt/slides/slide12.xml><?xml version="1.0" encoding="utf-8"?>
+<p:sld xmlns:a="http://schemas.openxmlformats.org/drawingml/2006/main" xmlns:p="http://schemas.openxmlformats.org/presentationml/2006/main" xmlns:r="http://schemas.openxmlformats.org/officeDocument/2006/relationships">
+  <p:cSld>
+    <p:spTree>
+      <p:nvGrpSpPr>
+        <p:cNvPr id="1" name=""/>
+        <p:cNvGrpSpPr/>
+        <p:nvPr/>
+      </p:nvGrpSpPr>
+      <p:grpSpPr/>
+      <p:sp>
+        <p:nvSpPr>
+          <p:cNvPr id="2" name="TextBox 1"/>
+          <p:cNvSpPr txBox="1"/>
+          <p:nvPr/>
+        </p:nvSpPr>
+        <p:spPr>
+          <a:xfrm>
+            <a:off x="914400" y="457200"/>
+            <a:ext cx="10360152" cy="914400"/>
+          </a:xfrm>
+          <a:prstGeom prst="rect">
+            <a:avLst/>
+          </a:prstGeom>
+          <a:noFill/>
+        </p:spPr>
+        <p:txBody>
+          <a:bodyPr wrap="none">
+            <a:spAutoFit/>
+          </a:bodyPr>
+          <a:lstStyle/>
+          <a:p>
+            <a:pPr algn="ctr">
+              <a:defRPr sz="3200" b="1"/>
+            </a:pPr>
+            <a:r>
+              <a:t>Here Are Three Important Ideas</a:t>
+            </a:r>
+          </a:p>
+        </p:txBody>
+      </p:sp>
+      <p:sp>
+        <p:nvSpPr>
+          <p:cNvPr id="3" name="TextBox 2"/>
+          <p:cNvSpPr txBox="1"/>
+          <p:nvPr/>
+        </p:nvSpPr>
+        <p:spPr>
+          <a:xfrm>
+            <a:off x="914400" y="2743200"/>
+            <a:ext cx="3453384" cy="457200"/>
+          </a:xfrm>
+          <a:prstGeom prst="rect">
+            <a:avLst/>
+          </a:prstGeom>
+          <a:noFill/>
+        </p:spPr>
+        <p:txBody>
+          <a:bodyPr wrap="none">
+            <a:spAutoFit/>
+          </a:bodyPr>
+          <a:lstStyle/>
+          <a:p>
+            <a:pPr algn="ctr">
+              <a:defRPr sz="2400" b="1"/>
+            </a:pPr>
+            <a:r>
+              <a:t>Mercury</a:t>
+            </a:r>
+          </a:p>
+        </p:txBody>
+      </p:sp>
+      <p:sp>
+        <p:nvSpPr>
+          <p:cNvPr id="4" name="TextBox 3"/>
+          <p:cNvSpPr txBox="1"/>
+          <p:nvPr/>
+        </p:nvSpPr>
+        <p:spPr>
+          <a:xfrm>
+            <a:off x="914400" y="3200400"/>
+            <a:ext cx="3453384" cy="1371600"/>
+          </a:xfrm>
+          <a:prstGeom prst="rect">
+            <a:avLst/>
+          </a:prstGeom>
+          <a:noFill/>
+        </p:spPr>
+        <p:txBody>
+          <a:bodyPr wrap="square">
+            <a:spAutoFit/>
+          </a:bodyPr>
+          <a:lstStyle/>
+          <a:p>
+            <a:pPr algn="l">
+              <a:defRPr sz="1800"/>
+            </a:pPr>
+            <a:r>
+              <a:t>Mercury is the closest planet to the Sun and the smallest of them all.</a:t>
+            </a:r>
+          </a:p>
+        </p:txBody>
+      </p:sp>
+      <p:sp>
+        <p:nvSpPr>
+          <p:cNvPr id="5" name="TextBox 4"/>
+          <p:cNvSpPr txBox="1"/>
+          <p:nvPr/>
+        </p:nvSpPr>
+        <p:spPr>
+          <a:xfrm>
+            <a:off x="4367784" y="2743200"/>
+            <a:ext cx="3453384" cy="457200"/>
+          </a:xfrm>
+          <a:prstGeom prst="rect">
+            <a:avLst/>
+          </a:prstGeom>
+          <a:noFill/>
+        </p:spPr>
+        <p:txBody>
+          <a:bodyPr wrap="none">
+            <a:spAutoFit/>
+          </a:bodyPr>
+          <a:lstStyle/>
+          <a:p>
+            <a:pPr algn="ctr">
+              <a:defRPr sz="2400" b="1"/>
+            </a:pPr>
+            <a:r>
+              <a:t>Venus</a:t>
+            </a:r>
+          </a:p>
+        </p:txBody>
+      </p:sp>
+      <p:sp>
+        <p:nvSpPr>
+          <p:cNvPr id="6" name="TextBox 5"/>
+          <p:cNvSpPr txBox="1"/>
+          <p:nvPr/>
+        </p:nvSpPr>
+        <p:spPr>
+          <a:xfrm>
+            <a:off x="4367784" y="3200400"/>
+            <a:ext cx="3453384" cy="1371600"/>
+          </a:xfrm>
+          <a:prstGeom prst="rect">
+            <a:avLst/>
+          </a:prstGeom>
+          <a:noFill/>
+        </p:spPr>
+        <p:txBody>
+          <a:bodyPr wrap="square">
+            <a:spAutoFit/>
+          </a:bodyPr>
+          <a:lstStyle/>
+          <a:p>
+            <a:pPr algn="l">
+              <a:defRPr sz="1800"/>
+            </a:pPr>
+            <a:r>
+              <a:t>Venus has a beautiful name and is the second planet from the Sun.</a:t>
+            </a:r>
+          </a:p>
+        </p:txBody>
+      </p:sp>
+      <p:sp>
+        <p:nvSpPr>
+          <p:cNvPr id="7" name="TextBox 6"/>
+          <p:cNvSpPr txBox="1"/>
+          <p:nvPr/>
+        </p:nvSpPr>
+        <p:spPr>
+          <a:xfrm>
+            <a:off x="7821168" y="2743200"/>
+            <a:ext cx="3453384" cy="457200"/>
+          </a:xfrm>
+          <a:prstGeom prst="rect">
+            <a:avLst/>
+          </a:prstGeom>
+          <a:noFill/>
+        </p:spPr>
+        <p:txBody>
+          <a:bodyPr wrap="none">
+            <a:spAutoFit/>
+          </a:bodyPr>
+          <a:lstStyle/>
+          <a:p>
+            <a:pPr algn="ctr">
+              <a:defRPr sz="2400" b="1"/>
+            </a:pPr>
+            <a:r>
+              <a:t>Mars</a:t>
+            </a:r>
+          </a:p>
+        </p:txBody>
+      </p:sp>
+      <p:sp>
+        <p:nvSpPr>
+          <p:cNvPr id="8" name="TextBox 7"/>
+          <p:cNvSpPr txBox="1"/>
+          <p:nvPr/>
+        </p:nvSpPr>
+        <p:spPr>
+          <a:xfrm>
+            <a:off x="7821168" y="3200400"/>
+            <a:ext cx="3453384" cy="1371600"/>
+          </a:xfrm>
+          <a:prstGeom prst="rect">
+            <a:avLst/>
+          </a:prstGeom>
+          <a:noFill/>
+        </p:spPr>
+        <p:txBody>
+          <a:bodyPr wrap="square">
+            <a:spAutoFit/>
+          </a:bodyPr>
+          <a:lstStyle/>
+          <a:p>
+            <a:pPr algn="l">
+              <a:defRPr sz="1800"/>
+            </a:pPr>
+            <a:r>
+              <a:t>Despite being red, Mars is actually a cold place. It’s full of iron oxide dust.</a:t>
+            </a:r>
+          </a:p>
+        </p:txBody>
+      </p:sp>
+    </p:spTree>
+  </p:cSld>
+  <p:clrMapOvr>
+    <a:masterClrMapping/>
+  </p:clrMapOvr>
+</p:sld>
+</file>
+
+<file path=ppt/slides/slide13.xml><?xml version="1.0" encoding="utf-8"?>
+<p:sld xmlns:a="http://schemas.openxmlformats.org/drawingml/2006/main" xmlns:p="http://schemas.openxmlformats.org/presentationml/2006/main" xmlns:r="http://schemas.openxmlformats.org/officeDocument/2006/relationships">
+  <p:cSld>
+    <p:spTree>
+      <p:nvGrpSpPr>
+        <p:cNvPr id="1" name=""/>
+        <p:cNvGrpSpPr/>
+        <p:nvPr/>
+      </p:nvGrpSpPr>
+      <p:grpSpPr/>
+      <p:sp>
+        <p:nvSpPr>
+          <p:cNvPr id="2" name="TextBox 1"/>
+          <p:cNvSpPr txBox="1"/>
+          <p:nvPr/>
+        </p:nvSpPr>
+        <p:spPr>
+          <a:xfrm>
+            <a:off x="914400" y="457200"/>
+            <a:ext cx="10360152" cy="914400"/>
+          </a:xfrm>
+          <a:prstGeom prst="rect">
+            <a:avLst/>
+          </a:prstGeom>
+          <a:noFill/>
+        </p:spPr>
+        <p:txBody>
+          <a:bodyPr wrap="none">
+            <a:spAutoFit/>
+          </a:bodyPr>
+          <a:lstStyle/>
+          <a:p>
+            <a:pPr algn="ctr">
+              <a:defRPr sz="3200" b="1"/>
+            </a:pPr>
+            <a:r>
+              <a:t>Divide the Content in Four Ideas</a:t>
+            </a:r>
+          </a:p>
+        </p:txBody>
+      </p:sp>
+      <p:sp>
+        <p:nvSpPr>
+          <p:cNvPr id="3" name="TextBox 2"/>
+          <p:cNvSpPr txBox="1"/>
+          <p:nvPr/>
+        </p:nvSpPr>
+        <p:spPr>
+          <a:xfrm>
+            <a:off x="914400" y="1828800"/>
+            <a:ext cx="5180076" cy="457200"/>
+          </a:xfrm>
+          <a:prstGeom prst="rect">
+            <a:avLst/>
+          </a:prstGeom>
+          <a:noFill/>
+        </p:spPr>
+        <p:txBody>
+          <a:bodyPr wrap="none">
+            <a:spAutoFit/>
+          </a:bodyPr>
+          <a:lstStyle/>
+          <a:p>
+            <a:pPr algn="ctr">
+              <a:defRPr sz="2400" b="1"/>
+            </a:pPr>
+            <a:r>
+              <a:t>Mars</a:t>
+            </a:r>
+          </a:p>
+        </p:txBody>
+      </p:sp>
+      <p:sp>
+        <p:nvSpPr>
+          <p:cNvPr id="4" name="TextBox 3"/>
+          <p:cNvSpPr txBox="1"/>
+          <p:nvPr/>
+        </p:nvSpPr>
+        <p:spPr>
+          <a:xfrm>
+            <a:off x="914400" y="2286000"/>
+            <a:ext cx="5180076" cy="1371600"/>
+          </a:xfrm>
+          <a:prstGeom prst="rect">
+            <a:avLst/>
+          </a:prstGeom>
+          <a:noFill/>
+        </p:spPr>
+        <p:txBody>
+          <a:bodyPr wrap="square">
+            <a:spAutoFit/>
+          </a:bodyPr>
+          <a:lstStyle/>
+          <a:p>
+            <a:pPr algn="l">
+              <a:defRPr sz="1800"/>
+            </a:pPr>
+            <a:r>
+              <a:t>Mars is actually a very cold place.</a:t>
+            </a:r>
+          </a:p>
+        </p:txBody>
+      </p:sp>
+      <p:sp>
+        <p:nvSpPr>
+          <p:cNvPr id="5" name="TextBox 4"/>
+          <p:cNvSpPr txBox="1"/>
+          <p:nvPr/>
+        </p:nvSpPr>
+        <p:spPr>
+          <a:xfrm>
+            <a:off x="6094476" y="1828800"/>
+            <a:ext cx="5180076" cy="457200"/>
+          </a:xfrm>
+          <a:prstGeom prst="rect">
+            <a:avLst/>
+          </a:prstGeom>
+          <a:noFill/>
+        </p:spPr>
+        <p:txBody>
+          <a:bodyPr wrap="none">
+            <a:spAutoFit/>
+          </a:bodyPr>
+          <a:lstStyle/>
+          <a:p>
+            <a:pPr algn="ctr">
+              <a:defRPr sz="2400" b="1"/>
+            </a:pPr>
+            <a:r>
+              <a:t>Jupiter</a:t>
+            </a:r>
+          </a:p>
+        </p:txBody>
+      </p:sp>
+      <p:sp>
+        <p:nvSpPr>
+          <p:cNvPr id="6" name="TextBox 5"/>
+          <p:cNvSpPr txBox="1"/>
+          <p:nvPr/>
+        </p:nvSpPr>
+        <p:spPr>
+          <a:xfrm>
+            <a:off x="6094476" y="2286000"/>
+            <a:ext cx="5180076" cy="1371600"/>
+          </a:xfrm>
+          <a:prstGeom prst="rect">
+            <a:avLst/>
+          </a:prstGeom>
+          <a:noFill/>
+        </p:spPr>
+        <p:txBody>
+          <a:bodyPr wrap="square">
+            <a:spAutoFit/>
+          </a:bodyPr>
+          <a:lstStyle/>
+          <a:p>
+            <a:pPr algn="l">
+              <a:defRPr sz="1800"/>
+            </a:pPr>
+            <a:r>
+              <a:t>Jupiter is the biggest planet of them all.</a:t>
+            </a:r>
+          </a:p>
+        </p:txBody>
+      </p:sp>
+      <p:sp>
+        <p:nvSpPr>
+          <p:cNvPr id="7" name="TextBox 6"/>
+          <p:cNvSpPr txBox="1"/>
+          <p:nvPr/>
+        </p:nvSpPr>
+        <p:spPr>
+          <a:xfrm>
+            <a:off x="914400" y="4114800"/>
+            <a:ext cx="5180076" cy="457200"/>
+          </a:xfrm>
+          <a:prstGeom prst="rect">
+            <a:avLst/>
+          </a:prstGeom>
+          <a:noFill/>
+        </p:spPr>
+        <p:txBody>
+          <a:bodyPr wrap="none">
+            <a:spAutoFit/>
+          </a:bodyPr>
+          <a:lstStyle/>
+          <a:p>
+            <a:pPr algn="ctr">
+              <a:defRPr sz="2400" b="1"/>
+            </a:pPr>
+            <a:r>
+              <a:t>Venus</a:t>
+            </a:r>
+          </a:p>
+        </p:txBody>
+      </p:sp>
+      <p:sp>
+        <p:nvSpPr>
+          <p:cNvPr id="8" name="TextBox 7"/>
+          <p:cNvSpPr txBox="1"/>
+          <p:nvPr/>
+        </p:nvSpPr>
+        <p:spPr>
+          <a:xfrm>
+            <a:off x="914400" y="4572000"/>
+            <a:ext cx="5180076" cy="1371600"/>
+          </a:xfrm>
+          <a:prstGeom prst="rect">
+            <a:avLst/>
+          </a:prstGeom>
+          <a:noFill/>
+        </p:spPr>
+        <p:txBody>
+          <a:bodyPr wrap="square">
+            <a:spAutoFit/>
+          </a:bodyPr>
+          <a:lstStyle/>
+          <a:p>
+            <a:pPr algn="l">
+              <a:defRPr sz="1800"/>
+            </a:pPr>
+            <a:r>
+              <a:t>Venus has extremely high temperatures.</a:t>
+            </a:r>
+          </a:p>
+        </p:txBody>
+      </p:sp>
+      <p:sp>
+        <p:nvSpPr>
+          <p:cNvPr id="9" name="TextBox 8"/>
+          <p:cNvSpPr txBox="1"/>
+          <p:nvPr/>
+        </p:nvSpPr>
+        <p:spPr>
+          <a:xfrm>
+            <a:off x="6094476" y="4114800"/>
+            <a:ext cx="5180076" cy="457200"/>
+          </a:xfrm>
+          <a:prstGeom prst="rect">
+            <a:avLst/>
+          </a:prstGeom>
+          <a:noFill/>
+        </p:spPr>
+        <p:txBody>
+          <a:bodyPr wrap="none">
+            <a:spAutoFit/>
+          </a:bodyPr>
+          <a:lstStyle/>
+          <a:p>
+            <a:pPr algn="ctr">
+              <a:defRPr sz="2400" b="1"/>
+            </a:pPr>
+            <a:r>
+              <a:t>Saturn</a:t>
+            </a:r>
+          </a:p>
+        </p:txBody>
+      </p:sp>
+      <p:sp>
+        <p:nvSpPr>
+          <p:cNvPr id="10" name="TextBox 9"/>
+          <p:cNvSpPr txBox="1"/>
+          <p:nvPr/>
+        </p:nvSpPr>
+        <p:spPr>
+          <a:xfrm>
+            <a:off x="6094476" y="4572000"/>
+            <a:ext cx="5180076" cy="1371600"/>
+          </a:xfrm>
+          <a:prstGeom prst="rect">
+            <a:avLst/>
+          </a:prstGeom>
+          <a:noFill/>
+        </p:spPr>
+        <p:txBody>
+          <a:bodyPr wrap="square">
+            <a:spAutoFit/>
+          </a:bodyPr>
+          <a:lstStyle/>
+          <a:p>
+            <a:pPr algn="l">
+              <a:defRPr sz="1800"/>
+            </a:pPr>
+            <a:r>
+              <a:t>Saturn is a gas giant and has several rings.</a:t>
+            </a:r>
+          </a:p>
+        </p:txBody>
+      </p:sp>
+    </p:spTree>
+  </p:cSld>
+  <p:clrMapOvr>
+    <a:masterClrMapping/>
+  </p:clrMapOvr>
+</p:sld>
+</file>
+
+<file path=ppt/slides/slide14.xml><?xml version="1.0" encoding="utf-8"?>
+<p:sld xmlns:a="http://schemas.openxmlformats.org/drawingml/2006/main" xmlns:p="http://schemas.openxmlformats.org/presentationml/2006/main" xmlns:r="http://schemas.openxmlformats.org/officeDocument/2006/relationships">
+  <p:cSld>
+    <p:spTree>
+      <p:nvGrpSpPr>
+        <p:cNvPr id="1" name=""/>
+        <p:cNvGrpSpPr/>
+        <p:nvPr/>
+      </p:nvGrpSpPr>
+      <p:grpSpPr/>
+      <p:sp>
+        <p:nvSpPr>
+          <p:cNvPr id="2" name="TextBox 1"/>
+          <p:cNvSpPr txBox="1"/>
+          <p:nvPr/>
+        </p:nvSpPr>
+        <p:spPr>
+          <a:xfrm>
+            <a:off x="914400" y="457200"/>
+            <a:ext cx="10360152" cy="914400"/>
+          </a:xfrm>
+          <a:prstGeom prst="rect">
+            <a:avLst/>
+          </a:prstGeom>
+          <a:noFill/>
+        </p:spPr>
+        <p:txBody>
+          <a:bodyPr wrap="none">
+            <a:spAutoFit/>
+          </a:bodyPr>
+          <a:lstStyle/>
+          <a:p>
+            <a:pPr algn="ctr">
+              <a:defRPr sz="3200" b="1"/>
+            </a:pPr>
+            <a:r>
+              <a:t>Divide the Content in Five Ideas</a:t>
+            </a:r>
+          </a:p>
+        </p:txBody>
+      </p:sp>
+      <p:sp>
+        <p:nvSpPr>
+          <p:cNvPr id="3" name="TextBox 2"/>
+          <p:cNvSpPr txBox="1"/>
+          <p:nvPr/>
+        </p:nvSpPr>
+        <p:spPr>
+          <a:xfrm>
+            <a:off x="914400" y="1828800"/>
+            <a:ext cx="5180076" cy="457200"/>
+          </a:xfrm>
+          <a:prstGeom prst="rect">
+            <a:avLst/>
+          </a:prstGeom>
+          <a:noFill/>
+        </p:spPr>
+        <p:txBody>
+          <a:bodyPr wrap="none">
+            <a:spAutoFit/>
+          </a:bodyPr>
+          <a:lstStyle/>
+          <a:p>
+            <a:pPr algn="ctr">
+              <a:defRPr sz="2400" b="1"/>
+            </a:pPr>
+            <a:r>
+              <a:t>Mars</a:t>
+            </a:r>
+          </a:p>
+        </p:txBody>
+      </p:sp>
+      <p:sp>
+        <p:nvSpPr>
+          <p:cNvPr id="4" name="TextBox 3"/>
+          <p:cNvSpPr txBox="1"/>
+          <p:nvPr/>
+        </p:nvSpPr>
+        <p:spPr>
+          <a:xfrm>
+            <a:off x="914400" y="2286000"/>
+            <a:ext cx="5180076" cy="1371600"/>
+          </a:xfrm>
+          <a:prstGeom prst="rect">
+            <a:avLst/>
+          </a:prstGeom>
+          <a:noFill/>
+        </p:spPr>
+        <p:txBody>
+          <a:bodyPr wrap="square">
+            <a:spAutoFit/>
+          </a:bodyPr>
+          <a:lstStyle/>
+          <a:p>
+            <a:pPr algn="l">
+              <a:defRPr sz="1800"/>
+            </a:pPr>
+            <a:r>
+              <a:t>Mars is actually a very cold place.</a:t>
+            </a:r>
+          </a:p>
+        </p:txBody>
+      </p:sp>
+      <p:sp>
+        <p:nvSpPr>
+          <p:cNvPr id="5" name="TextBox 4"/>
+          <p:cNvSpPr txBox="1"/>
+          <p:nvPr/>
+        </p:nvSpPr>
+        <p:spPr>
+          <a:xfrm>
+            <a:off x="6094476" y="1828800"/>
+            <a:ext cx="5180076" cy="457200"/>
+          </a:xfrm>
+          <a:prstGeom prst="rect">
+            <a:avLst/>
+          </a:prstGeom>
+          <a:noFill/>
+        </p:spPr>
+        <p:txBody>
+          <a:bodyPr wrap="none">
+            <a:spAutoFit/>
+          </a:bodyPr>
+          <a:lstStyle/>
+          <a:p>
+            <a:pPr algn="ctr">
+              <a:defRPr sz="2400" b="1"/>
+            </a:pPr>
+            <a:r>
+              <a:t>Jupiter</a:t>
+            </a:r>
+          </a:p>
+        </p:txBody>
+      </p:sp>
+      <p:sp>
+        <p:nvSpPr>
+          <p:cNvPr id="6" name="TextBox 5"/>
+          <p:cNvSpPr txBox="1"/>
+          <p:nvPr/>
+        </p:nvSpPr>
+        <p:spPr>
+          <a:xfrm>
+            <a:off x="6094476" y="2286000"/>
+            <a:ext cx="5180076" cy="1371600"/>
+          </a:xfrm>
+          <a:prstGeom prst="rect">
+            <a:avLst/>
+          </a:prstGeom>
+          <a:noFill/>
+        </p:spPr>
+        <p:txBody>
+          <a:bodyPr wrap="square">
+            <a:spAutoFit/>
+          </a:bodyPr>
+          <a:lstStyle/>
+          <a:p>
+            <a:pPr algn="l">
+              <a:defRPr sz="1800"/>
+            </a:pPr>
+            <a:r>
+              <a:t>Jupiter is the biggest planet of them all.</a:t>
+            </a:r>
+          </a:p>
+        </p:txBody>
+      </p:sp>
+      <p:sp>
+        <p:nvSpPr>
+          <p:cNvPr id="7" name="TextBox 6"/>
+          <p:cNvSpPr txBox="1"/>
+          <p:nvPr/>
+        </p:nvSpPr>
+        <p:spPr>
+          <a:xfrm>
+            <a:off x="3504438" y="2971800"/>
+            <a:ext cx="5180076" cy="457200"/>
+          </a:xfrm>
+          <a:prstGeom prst="rect">
+            <a:avLst/>
+          </a:prstGeom>
+          <a:noFill/>
+        </p:spPr>
+        <p:txBody>
+          <a:bodyPr wrap="none">
+            <a:spAutoFit/>
+          </a:bodyPr>
+          <a:lstStyle/>
+          <a:p>
+            <a:pPr algn="ctr">
+              <a:defRPr sz="2400" b="1"/>
+            </a:pPr>
+            <a:r>
+              <a:t>Venus</a:t>
+            </a:r>
+          </a:p>
+        </p:txBody>
+      </p:sp>
+      <p:sp>
+        <p:nvSpPr>
+          <p:cNvPr id="8" name="TextBox 7"/>
+          <p:cNvSpPr txBox="1"/>
+          <p:nvPr/>
+        </p:nvSpPr>
+        <p:spPr>
+          <a:xfrm>
+            <a:off x="3504438" y="3429000"/>
+            <a:ext cx="5180076" cy="1371600"/>
+          </a:xfrm>
+          <a:prstGeom prst="rect">
+            <a:avLst/>
+          </a:prstGeom>
+          <a:noFill/>
+        </p:spPr>
+        <p:txBody>
+          <a:bodyPr wrap="square">
+            <a:spAutoFit/>
+          </a:bodyPr>
+          <a:lstStyle/>
+          <a:p>
+            <a:pPr algn="l">
+              <a:defRPr sz="1800"/>
+            </a:pPr>
+            <a:r>
+              <a:t>Venus has extremely high temperatures.</a:t>
+            </a:r>
+          </a:p>
+        </p:txBody>
+      </p:sp>
+      <p:sp>
+        <p:nvSpPr>
+          <p:cNvPr id="9" name="TextBox 8"/>
+          <p:cNvSpPr txBox="1"/>
+          <p:nvPr/>
+        </p:nvSpPr>
+        <p:spPr>
+          <a:xfrm>
+            <a:off x="6094476" y="4114800"/>
+            <a:ext cx="5180076" cy="457200"/>
+          </a:xfrm>
+          <a:prstGeom prst="rect">
+            <a:avLst/>
+          </a:prstGeom>
+          <a:noFill/>
+        </p:spPr>
+        <p:txBody>
+          <a:bodyPr wrap="none">
+            <a:spAutoFit/>
+          </a:bodyPr>
+          <a:lstStyle/>
+          <a:p>
+            <a:pPr algn="ctr">
+              <a:defRPr sz="2400" b="1"/>
+            </a:pPr>
+            <a:r>
+              <a:t>Saturn</a:t>
+            </a:r>
+          </a:p>
+        </p:txBody>
+      </p:sp>
+      <p:sp>
+        <p:nvSpPr>
+          <p:cNvPr id="10" name="TextBox 9"/>
+          <p:cNvSpPr txBox="1"/>
+          <p:nvPr/>
+        </p:nvSpPr>
+        <p:spPr>
+          <a:xfrm>
+            <a:off x="6094476" y="4572000"/>
+            <a:ext cx="5180076" cy="1371600"/>
+          </a:xfrm>
+          <a:prstGeom prst="rect">
+            <a:avLst/>
+          </a:prstGeom>
+          <a:noFill/>
+        </p:spPr>
+        <p:txBody>
+          <a:bodyPr wrap="square">
+            <a:spAutoFit/>
+          </a:bodyPr>
+          <a:lstStyle/>
+          <a:p>
+            <a:pPr algn="l">
+              <a:defRPr sz="1800"/>
+            </a:pPr>
+            <a:r>
+              <a:t>Saturn is a gas giant and has several rings.</a:t>
+            </a:r>
+          </a:p>
+        </p:txBody>
+      </p:sp>
+      <p:sp>
+        <p:nvSpPr>
+          <p:cNvPr id="11" name="TextBox 10"/>
+          <p:cNvSpPr txBox="1"/>
+          <p:nvPr/>
+        </p:nvSpPr>
+        <p:spPr>
+          <a:xfrm>
+            <a:off x="914400" y="4114800"/>
+            <a:ext cx="5180076" cy="457200"/>
+          </a:xfrm>
+          <a:prstGeom prst="rect">
+            <a:avLst/>
+          </a:prstGeom>
+          <a:noFill/>
+        </p:spPr>
+        <p:txBody>
+          <a:bodyPr wrap="none">
+            <a:spAutoFit/>
+          </a:bodyPr>
+          <a:lstStyle/>
+          <a:p>
+            <a:pPr algn="ctr">
+              <a:defRPr sz="2400" b="1"/>
+            </a:pPr>
+            <a:r>
+              <a:t>Saturn</a:t>
+            </a:r>
+          </a:p>
+        </p:txBody>
+      </p:sp>
+      <p:sp>
+        <p:nvSpPr>
+          <p:cNvPr id="12" name="TextBox 11"/>
+          <p:cNvSpPr txBox="1"/>
+          <p:nvPr/>
+        </p:nvSpPr>
+        <p:spPr>
+          <a:xfrm>
+            <a:off x="914400" y="4572000"/>
+            <a:ext cx="5180076" cy="1371600"/>
+          </a:xfrm>
+          <a:prstGeom prst="rect">
+            <a:avLst/>
+          </a:prstGeom>
+          <a:noFill/>
+        </p:spPr>
+        <p:txBody>
+          <a:bodyPr wrap="square">
+            <a:spAutoFit/>
+          </a:bodyPr>
+          <a:lstStyle/>
+          <a:p>
+            <a:pPr algn="l">
+              <a:defRPr sz="1800"/>
+            </a:pPr>
+            <a:r>
+              <a:t>Saturn is a gas giant and has several rings.</a:t>
             </a:r>
           </a:p>
         </p:txBody>
@@ -3305,7 +4355,7 @@
 </file>
 
 <file path=ppt/slides/slide2.xml><?xml version="1.0" encoding="utf-8"?>
-<p:sld xmlns:a="http://schemas.openxmlformats.org/drawingml/2006/main" xmlns:r="http://schemas.openxmlformats.org/officeDocument/2006/relationships" xmlns:p="http://schemas.openxmlformats.org/presentationml/2006/main">
+<p:sld xmlns:a="http://schemas.openxmlformats.org/drawingml/2006/main" xmlns:p="http://schemas.openxmlformats.org/presentationml/2006/main" xmlns:r="http://schemas.openxmlformats.org/officeDocument/2006/relationships">
   <p:cSld>
     <p:spTree>
       <p:nvGrpSpPr>
@@ -3313,14 +4363,7 @@
         <p:cNvGrpSpPr/>
         <p:nvPr/>
       </p:nvGrpSpPr>
-      <p:grpSpPr>
-        <a:xfrm>
-          <a:off x="0" y="0"/>
-          <a:ext cx="0" cy="0"/>
-          <a:chOff x="0" y="0"/>
-          <a:chExt cx="0" cy="0"/>
-        </a:xfrm>
-      </p:grpSpPr>
+      <p:grpSpPr/>
       <p:sp>
         <p:nvSpPr>
           <p:cNvPr id="2" name="TextBox 1"/>
@@ -4185,7 +5228,7 @@
 </file>
 
 <file path=ppt/slides/slide3.xml><?xml version="1.0" encoding="utf-8"?>
-<p:sld xmlns:a="http://schemas.openxmlformats.org/drawingml/2006/main" xmlns:r="http://schemas.openxmlformats.org/officeDocument/2006/relationships" xmlns:p="http://schemas.openxmlformats.org/presentationml/2006/main">
+<p:sld xmlns:a="http://schemas.openxmlformats.org/drawingml/2006/main" xmlns:p="http://schemas.openxmlformats.org/presentationml/2006/main" xmlns:r="http://schemas.openxmlformats.org/officeDocument/2006/relationships">
   <p:cSld>
     <p:spTree>
       <p:nvGrpSpPr>
@@ -4193,14 +5236,7 @@
         <p:cNvGrpSpPr/>
         <p:nvPr/>
       </p:nvGrpSpPr>
-      <p:grpSpPr>
-        <a:xfrm>
-          <a:off x="0" y="0"/>
-          <a:ext cx="0" cy="0"/>
-          <a:chOff x="0" y="0"/>
-          <a:chExt cx="0" cy="0"/>
-        </a:xfrm>
-      </p:grpSpPr>
+      <p:grpSpPr/>
       <p:sp>
         <p:nvSpPr>
           <p:cNvPr id="2" name="TextBox 1"/>
@@ -4209,8 +5245,8 @@
         </p:nvSpPr>
         <p:spPr>
           <a:xfrm>
-            <a:off x="5486400" y="1828800"/>
-            <a:ext cx="914400" cy="914400"/>
+            <a:off x="4114800" y="1371600"/>
+            <a:ext cx="3657600" cy="914400"/>
           </a:xfrm>
           <a:prstGeom prst="rect">
             <a:avLst/>
@@ -4307,7 +5343,7 @@
 </file>
 
 <file path=ppt/slides/slide4.xml><?xml version="1.0" encoding="utf-8"?>
-<p:sld xmlns:a="http://schemas.openxmlformats.org/drawingml/2006/main" xmlns:r="http://schemas.openxmlformats.org/officeDocument/2006/relationships" xmlns:p="http://schemas.openxmlformats.org/presentationml/2006/main">
+<p:sld xmlns:a="http://schemas.openxmlformats.org/drawingml/2006/main" xmlns:p="http://schemas.openxmlformats.org/presentationml/2006/main" xmlns:r="http://schemas.openxmlformats.org/officeDocument/2006/relationships">
   <p:cSld>
     <p:spTree>
       <p:nvGrpSpPr>
@@ -4315,14 +5351,7 @@
         <p:cNvGrpSpPr/>
         <p:nvPr/>
       </p:nvGrpSpPr>
-      <p:grpSpPr>
-        <a:xfrm>
-          <a:off x="0" y="0"/>
-          <a:ext cx="0" cy="0"/>
-          <a:chOff x="0" y="0"/>
-          <a:chExt cx="0" cy="0"/>
-        </a:xfrm>
-      </p:grpSpPr>
+      <p:grpSpPr/>
       <p:sp>
         <p:nvSpPr>
           <p:cNvPr id="2" name="TextBox 1"/>
@@ -4331,8 +5360,8 @@
         </p:nvSpPr>
         <p:spPr>
           <a:xfrm>
-            <a:off x="5486400" y="1828800"/>
-            <a:ext cx="914400" cy="914400"/>
+            <a:off x="4114800" y="1371600"/>
+            <a:ext cx="3657600" cy="914400"/>
           </a:xfrm>
           <a:prstGeom prst="rect">
             <a:avLst/>
@@ -4429,7 +5458,7 @@
 </file>
 
 <file path=ppt/slides/slide5.xml><?xml version="1.0" encoding="utf-8"?>
-<p:sld xmlns:a="http://schemas.openxmlformats.org/drawingml/2006/main" xmlns:r="http://schemas.openxmlformats.org/officeDocument/2006/relationships" xmlns:p="http://schemas.openxmlformats.org/presentationml/2006/main">
+<p:sld xmlns:a="http://schemas.openxmlformats.org/drawingml/2006/main" xmlns:p="http://schemas.openxmlformats.org/presentationml/2006/main" xmlns:r="http://schemas.openxmlformats.org/officeDocument/2006/relationships">
   <p:cSld>
     <p:spTree>
       <p:nvGrpSpPr>
@@ -4437,14 +5466,7 @@
         <p:cNvGrpSpPr/>
         <p:nvPr/>
       </p:nvGrpSpPr>
-      <p:grpSpPr>
-        <a:xfrm>
-          <a:off x="0" y="0"/>
-          <a:ext cx="0" cy="0"/>
-          <a:chOff x="0" y="0"/>
-          <a:chExt cx="0" cy="0"/>
-        </a:xfrm>
-      </p:grpSpPr>
+      <p:grpSpPr/>
       <p:sp>
         <p:nvSpPr>
           <p:cNvPr id="2" name="TextBox 1"/>
@@ -4453,8 +5475,8 @@
         </p:nvSpPr>
         <p:spPr>
           <a:xfrm>
-            <a:off x="5486400" y="1828800"/>
-            <a:ext cx="914400" cy="914400"/>
+            <a:off x="4114800" y="1371600"/>
+            <a:ext cx="3657600" cy="914400"/>
           </a:xfrm>
           <a:prstGeom prst="rect">
             <a:avLst/>
@@ -4551,7 +5573,7 @@
 </file>
 
 <file path=ppt/slides/slide6.xml><?xml version="1.0" encoding="utf-8"?>
-<p:sld xmlns:a="http://schemas.openxmlformats.org/drawingml/2006/main" xmlns:r="http://schemas.openxmlformats.org/officeDocument/2006/relationships" xmlns:p="http://schemas.openxmlformats.org/presentationml/2006/main">
+<p:sld xmlns:a="http://schemas.openxmlformats.org/drawingml/2006/main" xmlns:p="http://schemas.openxmlformats.org/presentationml/2006/main" xmlns:r="http://schemas.openxmlformats.org/officeDocument/2006/relationships">
   <p:cSld>
     <p:spTree>
       <p:nvGrpSpPr>
@@ -4559,14 +5581,7 @@
         <p:cNvGrpSpPr/>
         <p:nvPr/>
       </p:nvGrpSpPr>
-      <p:grpSpPr>
-        <a:xfrm>
-          <a:off x="0" y="0"/>
-          <a:ext cx="0" cy="0"/>
-          <a:chOff x="0" y="0"/>
-          <a:chExt cx="0" cy="0"/>
-        </a:xfrm>
-      </p:grpSpPr>
+      <p:grpSpPr/>
       <p:sp>
         <p:nvSpPr>
           <p:cNvPr id="2" name="TextBox 1"/>
@@ -4575,8 +5590,8 @@
         </p:nvSpPr>
         <p:spPr>
           <a:xfrm>
-            <a:off x="5486400" y="1828800"/>
-            <a:ext cx="914400" cy="914400"/>
+            <a:off x="4114800" y="1371600"/>
+            <a:ext cx="3657600" cy="914400"/>
           </a:xfrm>
           <a:prstGeom prst="rect">
             <a:avLst/>
@@ -4673,7 +5688,7 @@
 </file>
 
 <file path=ppt/slides/slide7.xml><?xml version="1.0" encoding="utf-8"?>
-<p:sld xmlns:a="http://schemas.openxmlformats.org/drawingml/2006/main" xmlns:r="http://schemas.openxmlformats.org/officeDocument/2006/relationships" xmlns:p="http://schemas.openxmlformats.org/presentationml/2006/main">
+<p:sld xmlns:a="http://schemas.openxmlformats.org/drawingml/2006/main" xmlns:p="http://schemas.openxmlformats.org/presentationml/2006/main" xmlns:r="http://schemas.openxmlformats.org/officeDocument/2006/relationships">
   <p:cSld>
     <p:spTree>
       <p:nvGrpSpPr>
@@ -4681,14 +5696,7 @@
         <p:cNvGrpSpPr/>
         <p:nvPr/>
       </p:nvGrpSpPr>
-      <p:grpSpPr>
-        <a:xfrm>
-          <a:off x="0" y="0"/>
-          <a:ext cx="0" cy="0"/>
-          <a:chOff x="0" y="0"/>
-          <a:chExt cx="0" cy="0"/>
-        </a:xfrm>
-      </p:grpSpPr>
+      <p:grpSpPr/>
       <p:sp>
         <p:nvSpPr>
           <p:cNvPr id="2" name="TextBox 1"/>
@@ -4697,8 +5705,8 @@
         </p:nvSpPr>
         <p:spPr>
           <a:xfrm>
-            <a:off x="5486400" y="1828800"/>
-            <a:ext cx="914400" cy="914400"/>
+            <a:off x="4114800" y="1371600"/>
+            <a:ext cx="3657600" cy="914400"/>
           </a:xfrm>
           <a:prstGeom prst="rect">
             <a:avLst/>
@@ -4715,7 +5723,6 @@
               <a:defRPr sz="10000" b="1"/>
             </a:pPr>
             <a:r>
-              <a:rPr dirty="0"/>
               <a:t>05</a:t>
             </a:r>
           </a:p>
@@ -4796,7 +5803,7 @@
 </file>
 
 <file path=ppt/slides/slide8.xml><?xml version="1.0" encoding="utf-8"?>
-<p:sld xmlns:a="http://schemas.openxmlformats.org/drawingml/2006/main" xmlns:r="http://schemas.openxmlformats.org/officeDocument/2006/relationships" xmlns:p="http://schemas.openxmlformats.org/presentationml/2006/main">
+<p:sld xmlns:a="http://schemas.openxmlformats.org/drawingml/2006/main" xmlns:p="http://schemas.openxmlformats.org/presentationml/2006/main" xmlns:r="http://schemas.openxmlformats.org/officeDocument/2006/relationships">
   <p:cSld>
     <p:spTree>
       <p:nvGrpSpPr>
@@ -4804,14 +5811,7 @@
         <p:cNvGrpSpPr/>
         <p:nvPr/>
       </p:nvGrpSpPr>
-      <p:grpSpPr>
-        <a:xfrm>
-          <a:off x="0" y="0"/>
-          <a:ext cx="0" cy="0"/>
-          <a:chOff x="0" y="0"/>
-          <a:chExt cx="0" cy="0"/>
-        </a:xfrm>
-      </p:grpSpPr>
+      <p:grpSpPr/>
       <p:sp>
         <p:nvSpPr>
           <p:cNvPr id="2" name="TextBox 1"/>
@@ -4820,8 +5820,8 @@
         </p:nvSpPr>
         <p:spPr>
           <a:xfrm>
-            <a:off x="5486400" y="1828800"/>
-            <a:ext cx="914400" cy="914400"/>
+            <a:off x="4114800" y="1371600"/>
+            <a:ext cx="3657600" cy="914400"/>
           </a:xfrm>
           <a:prstGeom prst="rect">
             <a:avLst/>
@@ -4918,7 +5918,7 @@
 </file>
 
 <file path=ppt/slides/slide9.xml><?xml version="1.0" encoding="utf-8"?>
-<p:sld xmlns:a="http://schemas.openxmlformats.org/drawingml/2006/main" xmlns:r="http://schemas.openxmlformats.org/officeDocument/2006/relationships" xmlns:p="http://schemas.openxmlformats.org/presentationml/2006/main">
+<p:sld xmlns:a="http://schemas.openxmlformats.org/drawingml/2006/main" xmlns:p="http://schemas.openxmlformats.org/presentationml/2006/main" xmlns:r="http://schemas.openxmlformats.org/officeDocument/2006/relationships">
   <p:cSld>
     <p:spTree>
       <p:nvGrpSpPr>
@@ -4926,14 +5926,7 @@
         <p:cNvGrpSpPr/>
         <p:nvPr/>
       </p:nvGrpSpPr>
-      <p:grpSpPr>
-        <a:xfrm>
-          <a:off x="0" y="0"/>
-          <a:ext cx="0" cy="0"/>
-          <a:chOff x="0" y="0"/>
-          <a:chExt cx="0" cy="0"/>
-        </a:xfrm>
-      </p:grpSpPr>
+      <p:grpSpPr/>
       <p:sp>
         <p:nvSpPr>
           <p:cNvPr id="2" name="TextBox 1"/>
@@ -4942,8 +5935,8 @@
         </p:nvSpPr>
         <p:spPr>
           <a:xfrm>
-            <a:off x="5486400" y="1828800"/>
-            <a:ext cx="914400" cy="914400"/>
+            <a:off x="4114800" y="1371600"/>
+            <a:ext cx="3657600" cy="914400"/>
           </a:xfrm>
           <a:prstGeom prst="rect">
             <a:avLst/>

--- a/my_presentation.pptx
+++ b/my_presentation.pptx
@@ -19,6 +19,7 @@
     <p:sldId id="267" r:id="rId18"/>
     <p:sldId id="268" r:id="rId19"/>
     <p:sldId id="269" r:id="rId20"/>
+    <p:sldId id="270" r:id="rId21"/>
   </p:sldIdLst>
   <p:sldSz cx="12188952" cy="6858000" type="screen4x3"/>
   <p:notesSz cx="6858000" cy="9144000"/>
@@ -3512,7 +3513,7 @@
         </p:nvSpPr>
         <p:spPr>
           <a:xfrm>
-            <a:off x="914400" y="2743200"/>
+            <a:off x="914400" y="2514600"/>
             <a:ext cx="3453384" cy="457200"/>
           </a:xfrm>
           <a:prstGeom prst="rect">
@@ -3543,7 +3544,7 @@
         </p:nvSpPr>
         <p:spPr>
           <a:xfrm>
-            <a:off x="914400" y="3200400"/>
+            <a:off x="914400" y="2971800"/>
             <a:ext cx="3453384" cy="1371600"/>
           </a:xfrm>
           <a:prstGeom prst="rect">
@@ -3574,7 +3575,7 @@
         </p:nvSpPr>
         <p:spPr>
           <a:xfrm>
-            <a:off x="4367784" y="2743200"/>
+            <a:off x="4367784" y="2514600"/>
             <a:ext cx="3453384" cy="457200"/>
           </a:xfrm>
           <a:prstGeom prst="rect">
@@ -3605,7 +3606,7 @@
         </p:nvSpPr>
         <p:spPr>
           <a:xfrm>
-            <a:off x="4367784" y="3200400"/>
+            <a:off x="4367784" y="2971800"/>
             <a:ext cx="3453384" cy="1371600"/>
           </a:xfrm>
           <a:prstGeom prst="rect">
@@ -3636,7 +3637,7 @@
         </p:nvSpPr>
         <p:spPr>
           <a:xfrm>
-            <a:off x="7821168" y="2743200"/>
+            <a:off x="7821168" y="2514600"/>
             <a:ext cx="3453384" cy="457200"/>
           </a:xfrm>
           <a:prstGeom prst="rect">
@@ -3667,7 +3668,7 @@
         </p:nvSpPr>
         <p:spPr>
           <a:xfrm>
-            <a:off x="7821168" y="3200400"/>
+            <a:off x="7821168" y="2971800"/>
             <a:ext cx="3453384" cy="1371600"/>
           </a:xfrm>
           <a:prstGeom prst="rect">
@@ -4168,7 +4169,7 @@
         </p:nvSpPr>
         <p:spPr>
           <a:xfrm>
-            <a:off x="3504438" y="2971800"/>
+            <a:off x="3504438" y="3429000"/>
             <a:ext cx="5180076" cy="457200"/>
           </a:xfrm>
           <a:prstGeom prst="rect">
@@ -4199,7 +4200,7 @@
         </p:nvSpPr>
         <p:spPr>
           <a:xfrm>
-            <a:off x="3504438" y="3429000"/>
+            <a:off x="3504438" y="3886200"/>
             <a:ext cx="5180076" cy="1371600"/>
           </a:xfrm>
           <a:prstGeom prst="rect">
@@ -4230,7 +4231,7 @@
         </p:nvSpPr>
         <p:spPr>
           <a:xfrm>
-            <a:off x="6094476" y="4114800"/>
+            <a:off x="6094476" y="5029200"/>
             <a:ext cx="5180076" cy="457200"/>
           </a:xfrm>
           <a:prstGeom prst="rect">
@@ -4261,7 +4262,7 @@
         </p:nvSpPr>
         <p:spPr>
           <a:xfrm>
-            <a:off x="6094476" y="4572000"/>
+            <a:off x="6094476" y="5486400"/>
             <a:ext cx="5180076" cy="1371600"/>
           </a:xfrm>
           <a:prstGeom prst="rect">
@@ -4292,7 +4293,7 @@
         </p:nvSpPr>
         <p:spPr>
           <a:xfrm>
-            <a:off x="914400" y="4114800"/>
+            <a:off x="914400" y="5029200"/>
             <a:ext cx="5180076" cy="457200"/>
           </a:xfrm>
           <a:prstGeom prst="rect">
@@ -4323,7 +4324,7 @@
         </p:nvSpPr>
         <p:spPr>
           <a:xfrm>
-            <a:off x="914400" y="4572000"/>
+            <a:off x="914400" y="5486400"/>
             <a:ext cx="5180076" cy="1371600"/>
           </a:xfrm>
           <a:prstGeom prst="rect">
@@ -4342,6 +4343,117 @@
             </a:pPr>
             <a:r>
               <a:t>Saturn is a gas giant and has several rings.</a:t>
+            </a:r>
+          </a:p>
+        </p:txBody>
+      </p:sp>
+    </p:spTree>
+  </p:cSld>
+  <p:clrMapOvr>
+    <a:masterClrMapping/>
+  </p:clrMapOvr>
+</p:sld>
+</file>
+
+<file path=ppt/slides/slide15.xml><?xml version="1.0" encoding="utf-8"?>
+<p:sld xmlns:a="http://schemas.openxmlformats.org/drawingml/2006/main" xmlns:p="http://schemas.openxmlformats.org/presentationml/2006/main" xmlns:r="http://schemas.openxmlformats.org/officeDocument/2006/relationships">
+  <p:cSld>
+    <p:spTree>
+      <p:nvGrpSpPr>
+        <p:cNvPr id="1" name=""/>
+        <p:cNvGrpSpPr/>
+        <p:nvPr/>
+      </p:nvGrpSpPr>
+      <p:grpSpPr/>
+      <p:sp>
+        <p:nvSpPr>
+          <p:cNvPr id="2" name="TextBox 1"/>
+          <p:cNvSpPr txBox="1"/>
+          <p:nvPr/>
+        </p:nvSpPr>
+        <p:spPr>
+          <a:xfrm>
+            <a:off x="914400" y="457200"/>
+            <a:ext cx="10360152" cy="914400"/>
+          </a:xfrm>
+          <a:prstGeom prst="rect">
+            <a:avLst/>
+          </a:prstGeom>
+          <a:noFill/>
+        </p:spPr>
+        <p:txBody>
+          <a:bodyPr wrap="none">
+            <a:spAutoFit/>
+          </a:bodyPr>
+          <a:lstStyle/>
+          <a:p>
+            <a:pPr algn="ctr">
+              <a:defRPr sz="3200" b="1"/>
+            </a:pPr>
+            <a:r>
+              <a:t>Do You Need Longer Text?</a:t>
+            </a:r>
+          </a:p>
+        </p:txBody>
+      </p:sp>
+      <p:sp>
+        <p:nvSpPr>
+          <p:cNvPr id="3" name="TextBox 2"/>
+          <p:cNvSpPr txBox="1"/>
+          <p:nvPr/>
+        </p:nvSpPr>
+        <p:spPr>
+          <a:xfrm>
+            <a:off x="914400" y="2286000"/>
+            <a:ext cx="4722876" cy="4572000"/>
+          </a:xfrm>
+          <a:prstGeom prst="rect">
+            <a:avLst/>
+          </a:prstGeom>
+          <a:noFill/>
+        </p:spPr>
+        <p:txBody>
+          <a:bodyPr wrap="square">
+            <a:spAutoFit/>
+          </a:bodyPr>
+          <a:lstStyle/>
+          <a:p>
+            <a:pPr algn="l">
+              <a:defRPr sz="1800"/>
+            </a:pPr>
+            <a:r>
+              <a:t>Mercury is the closest planet to the Sun and the smallest one in the entire Solar System. This planet’s name has nothing to do with the liquid metal, since Mercury was named after the Roman messenger god. Despite being closer to the Sun than Venus, its temperatures aren’t as terribly hot as that planet’s. Its surface is quite similar to that of Earth’s Moon, which means there are a lot of craters and plains.</a:t>
+            </a:r>
+          </a:p>
+        </p:txBody>
+      </p:sp>
+      <p:sp>
+        <p:nvSpPr>
+          <p:cNvPr id="4" name="TextBox 3"/>
+          <p:cNvSpPr txBox="1"/>
+          <p:nvPr/>
+        </p:nvSpPr>
+        <p:spPr>
+          <a:xfrm>
+            <a:off x="6551676" y="2286000"/>
+            <a:ext cx="4722876" cy="4572000"/>
+          </a:xfrm>
+          <a:prstGeom prst="rect">
+            <a:avLst/>
+          </a:prstGeom>
+          <a:noFill/>
+        </p:spPr>
+        <p:txBody>
+          <a:bodyPr wrap="square">
+            <a:spAutoFit/>
+          </a:bodyPr>
+          <a:lstStyle/>
+          <a:p>
+            <a:pPr algn="l">
+              <a:defRPr sz="1800"/>
+            </a:pPr>
+            <a:r>
+              <a:t>Speaking of craters, many of them were named after artists or authors who made significant contributions to their respective fields. Mercury takes a little more than 58 days to complete its rotation, so try to imagine how long days must be there! Since the temperatures are so extreme, albeit not as extreme as on Venus, and the solar radiation is so high, Mercury has been deemed to be non-habitable for humans</a:t>
             </a:r>
           </a:p>
         </p:txBody>
